--- a/doc/demo-day.pptx
+++ b/doc/demo-day.pptx
@@ -5629,8 +5629,8 @@
     </dgm:pt>
   </dgm:ptLst>
   <dgm:cxnLst>
+    <dgm:cxn modelId="{09496A7C-BFBD-47ED-BFE9-278E73235E19}" type="presOf" srcId="{266072C4-D3BD-423F-9B81-43C6A75BD788}" destId="{F65F4871-9723-4194-BF90-5BA69117E75F}" srcOrd="1" destOrd="0" presId="urn:microsoft.com/office/officeart/2005/8/layout/vList4"/>
     <dgm:cxn modelId="{8B74E19B-D44E-4068-82DE-F8D59147D762}" srcId="{266072C4-D3BD-423F-9B81-43C6A75BD788}" destId="{DCAFFA19-3FEA-4796-94F7-5F6877289714}" srcOrd="1" destOrd="0" parTransId="{CDD018E0-39C5-4E12-9D53-8AC828E17D72}" sibTransId="{2CD16638-B3AC-482C-89D2-AEEB01E7330F}"/>
-    <dgm:cxn modelId="{09496A7C-BFBD-47ED-BFE9-278E73235E19}" type="presOf" srcId="{266072C4-D3BD-423F-9B81-43C6A75BD788}" destId="{F65F4871-9723-4194-BF90-5BA69117E75F}" srcOrd="1" destOrd="0" presId="urn:microsoft.com/office/officeart/2005/8/layout/vList4"/>
     <dgm:cxn modelId="{625C52C7-BA1B-4421-93D6-5B28EA6A49A3}" type="presOf" srcId="{52951A92-DE53-46AF-8B52-B78E7AAE0267}" destId="{83C00B91-99EC-4FBF-9D01-3EB7063A9A21}" srcOrd="0" destOrd="0" presId="urn:microsoft.com/office/officeart/2005/8/layout/vList4"/>
     <dgm:cxn modelId="{1F21C455-C53E-40D0-A360-9B4A0D611FFB}" type="presOf" srcId="{2C1DCB3D-BE4D-429D-8889-8B4DA3738737}" destId="{F65F4871-9723-4194-BF90-5BA69117E75F}" srcOrd="1" destOrd="1" presId="urn:microsoft.com/office/officeart/2005/8/layout/vList4"/>
     <dgm:cxn modelId="{BE6DD361-D0D0-41B7-851F-B21690AFF19F}" type="presOf" srcId="{52951A92-DE53-46AF-8B52-B78E7AAE0267}" destId="{1B5D399C-13D8-4F72-BFD1-3D2843A9B222}" srcOrd="1" destOrd="0" presId="urn:microsoft.com/office/officeart/2005/8/layout/vList4"/>
@@ -6729,11 +6729,7 @@
         <a:p>
           <a:r>
             <a:rPr lang="zh-CN" altLang="en-US" sz="2000" dirty="0" smtClean="0"/>
-            <a:t>已</a:t>
-          </a:r>
-          <a:r>
-            <a:rPr lang="zh-CN" altLang="en-US" sz="2000" dirty="0" smtClean="0"/>
-            <a:t>完成的</a:t>
+            <a:t>已完成的</a:t>
           </a:r>
           <a:endParaRPr lang="zh-CN" altLang="en-US" sz="2000" dirty="0"/>
         </a:p>
@@ -6930,11 +6926,7 @@
         <a:p>
           <a:r>
             <a:rPr lang="zh-CN" altLang="en-US" sz="2000" dirty="0" smtClean="0"/>
-            <a:t>未完</a:t>
-          </a:r>
-          <a:r>
-            <a:rPr lang="zh-CN" altLang="en-US" sz="2000" dirty="0" smtClean="0"/>
-            <a:t>成的</a:t>
+            <a:t>未完成的</a:t>
           </a:r>
           <a:endParaRPr lang="en-US" altLang="zh-CN" sz="2000" dirty="0" smtClean="0"/>
         </a:p>
@@ -10540,11 +10532,7 @@
           </a:pPr>
           <a:r>
             <a:rPr lang="zh-CN" altLang="en-US" sz="2000" kern="1200" dirty="0" smtClean="0"/>
-            <a:t>已</a:t>
-          </a:r>
-          <a:r>
-            <a:rPr lang="zh-CN" altLang="en-US" sz="2000" kern="1200" dirty="0" smtClean="0"/>
-            <a:t>完成的</a:t>
+            <a:t>已完成的</a:t>
           </a:r>
           <a:endParaRPr lang="zh-CN" altLang="en-US" sz="2000" kern="1200" dirty="0"/>
         </a:p>
@@ -10841,11 +10829,7 @@
           </a:pPr>
           <a:r>
             <a:rPr lang="zh-CN" altLang="en-US" sz="2000" kern="1200" dirty="0" smtClean="0"/>
-            <a:t>未完</a:t>
-          </a:r>
-          <a:r>
-            <a:rPr lang="zh-CN" altLang="en-US" sz="2000" kern="1200" dirty="0" smtClean="0"/>
-            <a:t>成的</a:t>
+            <a:t>未完成的</a:t>
           </a:r>
           <a:endParaRPr lang="en-US" altLang="zh-CN" sz="2000" kern="1200" dirty="0" smtClean="0"/>
         </a:p>
@@ -21490,7 +21474,7 @@
           <a:p>
             <a:fld id="{69C0BAC2-EE56-4923-8DE4-10D21D000425}" type="datetimeFigureOut">
               <a:rPr lang="zh-CN" altLang="en-US" smtClean="0"/>
-              <a:t>2022/12/18</a:t>
+              <a:t>2022/12/24</a:t>
             </a:fld>
             <a:endParaRPr lang="zh-CN" altLang="en-US"/>
           </a:p>
@@ -22141,7 +22125,7 @@
           <a:p>
             <a:fld id="{70F1CFF3-7958-41A3-94F3-9398BAFCBC9A}" type="datetimeFigureOut">
               <a:rPr lang="zh-CN" altLang="en-US" smtClean="0"/>
-              <a:t>2022/12/18</a:t>
+              <a:t>2022/12/24</a:t>
             </a:fld>
             <a:endParaRPr lang="zh-CN" altLang="en-US"/>
           </a:p>
@@ -22311,7 +22295,7 @@
           <a:p>
             <a:fld id="{70F1CFF3-7958-41A3-94F3-9398BAFCBC9A}" type="datetimeFigureOut">
               <a:rPr lang="zh-CN" altLang="en-US" smtClean="0"/>
-              <a:t>2022/12/18</a:t>
+              <a:t>2022/12/24</a:t>
             </a:fld>
             <a:endParaRPr lang="zh-CN" altLang="en-US"/>
           </a:p>
@@ -22491,7 +22475,7 @@
           <a:p>
             <a:fld id="{70F1CFF3-7958-41A3-94F3-9398BAFCBC9A}" type="datetimeFigureOut">
               <a:rPr lang="zh-CN" altLang="en-US" smtClean="0"/>
-              <a:t>2022/12/18</a:t>
+              <a:t>2022/12/24</a:t>
             </a:fld>
             <a:endParaRPr lang="zh-CN" altLang="en-US"/>
           </a:p>
@@ -22661,7 +22645,7 @@
           <a:p>
             <a:fld id="{70F1CFF3-7958-41A3-94F3-9398BAFCBC9A}" type="datetimeFigureOut">
               <a:rPr lang="zh-CN" altLang="en-US" smtClean="0"/>
-              <a:t>2022/12/18</a:t>
+              <a:t>2022/12/24</a:t>
             </a:fld>
             <a:endParaRPr lang="zh-CN" altLang="en-US"/>
           </a:p>
@@ -22911,7 +22895,7 @@
           <a:p>
             <a:fld id="{70F1CFF3-7958-41A3-94F3-9398BAFCBC9A}" type="datetimeFigureOut">
               <a:rPr lang="zh-CN" altLang="en-US" smtClean="0"/>
-              <a:t>2022/12/18</a:t>
+              <a:t>2022/12/24</a:t>
             </a:fld>
             <a:endParaRPr lang="zh-CN" altLang="en-US"/>
           </a:p>
@@ -23143,7 +23127,7 @@
           <a:p>
             <a:fld id="{70F1CFF3-7958-41A3-94F3-9398BAFCBC9A}" type="datetimeFigureOut">
               <a:rPr lang="zh-CN" altLang="en-US" smtClean="0"/>
-              <a:t>2022/12/18</a:t>
+              <a:t>2022/12/24</a:t>
             </a:fld>
             <a:endParaRPr lang="zh-CN" altLang="en-US"/>
           </a:p>
@@ -23510,7 +23494,7 @@
           <a:p>
             <a:fld id="{70F1CFF3-7958-41A3-94F3-9398BAFCBC9A}" type="datetimeFigureOut">
               <a:rPr lang="zh-CN" altLang="en-US" smtClean="0"/>
-              <a:t>2022/12/18</a:t>
+              <a:t>2022/12/24</a:t>
             </a:fld>
             <a:endParaRPr lang="zh-CN" altLang="en-US"/>
           </a:p>
@@ -23628,7 +23612,7 @@
           <a:p>
             <a:fld id="{70F1CFF3-7958-41A3-94F3-9398BAFCBC9A}" type="datetimeFigureOut">
               <a:rPr lang="zh-CN" altLang="en-US" smtClean="0"/>
-              <a:t>2022/12/18</a:t>
+              <a:t>2022/12/24</a:t>
             </a:fld>
             <a:endParaRPr lang="zh-CN" altLang="en-US"/>
           </a:p>
@@ -23723,7 +23707,7 @@
           <a:p>
             <a:fld id="{70F1CFF3-7958-41A3-94F3-9398BAFCBC9A}" type="datetimeFigureOut">
               <a:rPr lang="zh-CN" altLang="en-US" smtClean="0"/>
-              <a:t>2022/12/18</a:t>
+              <a:t>2022/12/24</a:t>
             </a:fld>
             <a:endParaRPr lang="zh-CN" altLang="en-US"/>
           </a:p>
@@ -24000,7 +23984,7 @@
           <a:p>
             <a:fld id="{70F1CFF3-7958-41A3-94F3-9398BAFCBC9A}" type="datetimeFigureOut">
               <a:rPr lang="zh-CN" altLang="en-US" smtClean="0"/>
-              <a:t>2022/12/18</a:t>
+              <a:t>2022/12/24</a:t>
             </a:fld>
             <a:endParaRPr lang="zh-CN" altLang="en-US"/>
           </a:p>
@@ -24253,7 +24237,7 @@
           <a:p>
             <a:fld id="{70F1CFF3-7958-41A3-94F3-9398BAFCBC9A}" type="datetimeFigureOut">
               <a:rPr lang="zh-CN" altLang="en-US" smtClean="0"/>
-              <a:t>2022/12/18</a:t>
+              <a:t>2022/12/24</a:t>
             </a:fld>
             <a:endParaRPr lang="zh-CN" altLang="en-US"/>
           </a:p>
@@ -24466,7 +24450,7 @@
           <a:p>
             <a:fld id="{70F1CFF3-7958-41A3-94F3-9398BAFCBC9A}" type="datetimeFigureOut">
               <a:rPr lang="zh-CN" altLang="en-US" smtClean="0"/>
-              <a:t>2022/12/18</a:t>
+              <a:t>2022/12/24</a:t>
             </a:fld>
             <a:endParaRPr lang="zh-CN" altLang="en-US"/>
           </a:p>
@@ -25537,7 +25521,7 @@
         </p:blipFill>
         <p:spPr>
           <a:xfrm>
-            <a:off x="1003300" y="1025802"/>
+            <a:off x="1003300" y="1041171"/>
             <a:ext cx="8890000" cy="5832198"/>
           </a:xfrm>
           <a:prstGeom prst="rect">
@@ -25605,17 +25589,7 @@
                 <a:latin typeface="Arial" panose="020B0604020202020204" pitchFamily="34" charset="0"/>
                 <a:ea typeface="Open Sans"/>
               </a:rPr>
-              <a:t>，每个NFT在</a:t>
-            </a:r>
-            <a:r>
-              <a:rPr lang="zh-CN" altLang="zh-CN" dirty="0">
-                <a:solidFill>
-                  <a:srgbClr val="333333"/>
-                </a:solidFill>
-                <a:latin typeface="Arial" panose="020B0604020202020204" pitchFamily="34" charset="0"/>
-                <a:ea typeface="Open Sans"/>
-              </a:rPr>
-              <a:t>多个链上</a:t>
+              <a:t>，每个NFT在多个链上</a:t>
             </a:r>
             <a:r>
               <a:rPr lang="zh-CN" altLang="zh-CN" b="1" dirty="0">
